--- a/04-Conditions.pptx
+++ b/04-Conditions.pptx
@@ -17,8 +17,9 @@
     <p:sldId id="305" r:id="rId11"/>
     <p:sldId id="306" r:id="rId12"/>
     <p:sldId id="295" r:id="rId13"/>
-    <p:sldId id="268" r:id="rId14"/>
-    <p:sldId id="269" r:id="rId15"/>
+    <p:sldId id="320" r:id="rId14"/>
+    <p:sldId id="268" r:id="rId15"/>
+    <p:sldId id="269" r:id="rId16"/>
   </p:sldIdLst>
   <p:sldSz cx="9144000" cy="6858000" type="screen4x3"/>
   <p:notesSz cx="6858000" cy="9144000"/>
@@ -317,7 +318,7 @@
           <a:p>
             <a:fld id="{3EA744D9-3FBE-48D8-BF2A-85DF203E4D20}" type="datetimeFigureOut">
               <a:rPr lang="bg-BG" smtClean="0"/>
-              <a:t>16.6.2015 г.</a:t>
+              <a:t>22.10.2015 г.</a:t>
             </a:fld>
             <a:endParaRPr lang="bg-BG"/>
           </a:p>
@@ -487,7 +488,7 @@
           <a:p>
             <a:fld id="{3EA744D9-3FBE-48D8-BF2A-85DF203E4D20}" type="datetimeFigureOut">
               <a:rPr lang="bg-BG" smtClean="0"/>
-              <a:t>16.6.2015 г.</a:t>
+              <a:t>22.10.2015 г.</a:t>
             </a:fld>
             <a:endParaRPr lang="bg-BG"/>
           </a:p>
@@ -667,7 +668,7 @@
           <a:p>
             <a:fld id="{3EA744D9-3FBE-48D8-BF2A-85DF203E4D20}" type="datetimeFigureOut">
               <a:rPr lang="bg-BG" smtClean="0"/>
-              <a:t>16.6.2015 г.</a:t>
+              <a:t>22.10.2015 г.</a:t>
             </a:fld>
             <a:endParaRPr lang="bg-BG"/>
           </a:p>
@@ -837,7 +838,7 @@
           <a:p>
             <a:fld id="{3EA744D9-3FBE-48D8-BF2A-85DF203E4D20}" type="datetimeFigureOut">
               <a:rPr lang="bg-BG" smtClean="0"/>
-              <a:t>16.6.2015 г.</a:t>
+              <a:t>22.10.2015 г.</a:t>
             </a:fld>
             <a:endParaRPr lang="bg-BG"/>
           </a:p>
@@ -1083,7 +1084,7 @@
           <a:p>
             <a:fld id="{3EA744D9-3FBE-48D8-BF2A-85DF203E4D20}" type="datetimeFigureOut">
               <a:rPr lang="bg-BG" smtClean="0"/>
-              <a:t>16.6.2015 г.</a:t>
+              <a:t>22.10.2015 г.</a:t>
             </a:fld>
             <a:endParaRPr lang="bg-BG"/>
           </a:p>
@@ -1371,7 +1372,7 @@
           <a:p>
             <a:fld id="{3EA744D9-3FBE-48D8-BF2A-85DF203E4D20}" type="datetimeFigureOut">
               <a:rPr lang="bg-BG" smtClean="0"/>
-              <a:t>16.6.2015 г.</a:t>
+              <a:t>22.10.2015 г.</a:t>
             </a:fld>
             <a:endParaRPr lang="bg-BG"/>
           </a:p>
@@ -1793,7 +1794,7 @@
           <a:p>
             <a:fld id="{3EA744D9-3FBE-48D8-BF2A-85DF203E4D20}" type="datetimeFigureOut">
               <a:rPr lang="bg-BG" smtClean="0"/>
-              <a:t>16.6.2015 г.</a:t>
+              <a:t>22.10.2015 г.</a:t>
             </a:fld>
             <a:endParaRPr lang="bg-BG"/>
           </a:p>
@@ -1911,7 +1912,7 @@
           <a:p>
             <a:fld id="{3EA744D9-3FBE-48D8-BF2A-85DF203E4D20}" type="datetimeFigureOut">
               <a:rPr lang="bg-BG" smtClean="0"/>
-              <a:t>16.6.2015 г.</a:t>
+              <a:t>22.10.2015 г.</a:t>
             </a:fld>
             <a:endParaRPr lang="bg-BG"/>
           </a:p>
@@ -2006,7 +2007,7 @@
           <a:p>
             <a:fld id="{3EA744D9-3FBE-48D8-BF2A-85DF203E4D20}" type="datetimeFigureOut">
               <a:rPr lang="bg-BG" smtClean="0"/>
-              <a:t>16.6.2015 г.</a:t>
+              <a:t>22.10.2015 г.</a:t>
             </a:fld>
             <a:endParaRPr lang="bg-BG"/>
           </a:p>
@@ -2283,7 +2284,7 @@
           <a:p>
             <a:fld id="{3EA744D9-3FBE-48D8-BF2A-85DF203E4D20}" type="datetimeFigureOut">
               <a:rPr lang="bg-BG" smtClean="0"/>
-              <a:t>16.6.2015 г.</a:t>
+              <a:t>22.10.2015 г.</a:t>
             </a:fld>
             <a:endParaRPr lang="bg-BG"/>
           </a:p>
@@ -2536,7 +2537,7 @@
           <a:p>
             <a:fld id="{3EA744D9-3FBE-48D8-BF2A-85DF203E4D20}" type="datetimeFigureOut">
               <a:rPr lang="bg-BG" smtClean="0"/>
-              <a:t>16.6.2015 г.</a:t>
+              <a:t>22.10.2015 г.</a:t>
             </a:fld>
             <a:endParaRPr lang="bg-BG"/>
           </a:p>
@@ -2758,7 +2759,7 @@
           <a:p>
             <a:fld id="{3EA744D9-3FBE-48D8-BF2A-85DF203E4D20}" type="datetimeFigureOut">
               <a:rPr lang="bg-BG" smtClean="0"/>
-              <a:t>16.6.2015 г.</a:t>
+              <a:t>22.10.2015 г.</a:t>
             </a:fld>
             <a:endParaRPr lang="bg-BG"/>
           </a:p>
@@ -3259,7 +3260,7 @@
                   <a:schemeClr val="accent6"/>
                 </a:solidFill>
               </a:rPr>
-              <a:t>SWICH</a:t>
+              <a:t>SWITCH</a:t>
             </a:r>
             <a:endParaRPr lang="bg-BG" dirty="0">
               <a:solidFill>
@@ -4264,6 +4265,99 @@
             <p:ph type="title"/>
           </p:nvPr>
         </p:nvSpPr>
+        <p:spPr/>
+        <p:txBody>
+          <a:bodyPr>
+            <a:normAutofit/>
+          </a:bodyPr>
+          <a:lstStyle/>
+          <a:p>
+            <a:r>
+              <a:rPr lang="bg-BG" dirty="0" smtClean="0">
+                <a:solidFill>
+                  <a:schemeClr val="accent6"/>
+                </a:solidFill>
+              </a:rPr>
+              <a:t>Задача</a:t>
+            </a:r>
+            <a:endParaRPr lang="en-US" dirty="0"/>
+          </a:p>
+        </p:txBody>
+      </p:sp>
+      <p:sp>
+        <p:nvSpPr>
+          <p:cNvPr id="3" name="Content Placeholder 2"/>
+          <p:cNvSpPr>
+            <a:spLocks noGrp="1"/>
+          </p:cNvSpPr>
+          <p:nvPr>
+            <p:ph idx="1"/>
+          </p:nvPr>
+        </p:nvSpPr>
+        <p:spPr/>
+        <p:txBody>
+          <a:bodyPr/>
+          <a:lstStyle/>
+          <a:p>
+            <a:r>
+              <a:rPr lang="ru-RU" dirty="0">
+                <a:solidFill>
+                  <a:schemeClr val="bg1"/>
+                </a:solidFill>
+              </a:rPr>
+              <a:t>Напишете програма, която по избор на потребителя прочита от конзолата променлива от тип int, double или string. Ако променливата е int или double, трябва да се увеличи с 1. Ако променливата е string, трябва да се прибави накрая символа "*". Отпечатайте получения резултат на конзолата. </a:t>
+            </a:r>
+            <a:endParaRPr lang="en-US" dirty="0">
+              <a:solidFill>
+                <a:schemeClr val="bg1"/>
+              </a:solidFill>
+            </a:endParaRPr>
+          </a:p>
+          <a:p>
+            <a:endParaRPr lang="en-US" dirty="0"/>
+          </a:p>
+        </p:txBody>
+      </p:sp>
+    </p:spTree>
+    <p:extLst>
+      <p:ext uri="{BB962C8B-B14F-4D97-AF65-F5344CB8AC3E}">
+        <p14:creationId xmlns:p14="http://schemas.microsoft.com/office/powerpoint/2010/main" val="651094813"/>
+      </p:ext>
+    </p:extLst>
+  </p:cSld>
+  <p:clrMapOvr>
+    <a:masterClrMapping/>
+  </p:clrMapOvr>
+</p:sld>
+</file>
+
+<file path=ppt/slides/slide14.xml><?xml version="1.0" encoding="utf-8"?>
+<p:sld xmlns:a="http://schemas.openxmlformats.org/drawingml/2006/main" xmlns:r="http://schemas.openxmlformats.org/officeDocument/2006/relationships" xmlns:p="http://schemas.openxmlformats.org/presentationml/2006/main">
+  <p:cSld>
+    <p:spTree>
+      <p:nvGrpSpPr>
+        <p:cNvPr id="1" name=""/>
+        <p:cNvGrpSpPr/>
+        <p:nvPr/>
+      </p:nvGrpSpPr>
+      <p:grpSpPr>
+        <a:xfrm>
+          <a:off x="0" y="0"/>
+          <a:ext cx="0" cy="0"/>
+          <a:chOff x="0" y="0"/>
+          <a:chExt cx="0" cy="0"/>
+        </a:xfrm>
+      </p:grpSpPr>
+      <p:sp>
+        <p:nvSpPr>
+          <p:cNvPr id="2" name="Title 1"/>
+          <p:cNvSpPr>
+            <a:spLocks noGrp="1"/>
+          </p:cNvSpPr>
+          <p:nvPr>
+            <p:ph type="title"/>
+          </p:nvPr>
+        </p:nvSpPr>
         <p:spPr>
           <a:xfrm>
             <a:off x="838200" y="685800"/>
@@ -4420,7 +4514,7 @@
 </p:sld>
 </file>
 
-<file path=ppt/slides/slide14.xml><?xml version="1.0" encoding="utf-8"?>
+<file path=ppt/slides/slide15.xml><?xml version="1.0" encoding="utf-8"?>
 <p:sld xmlns:a="http://schemas.openxmlformats.org/drawingml/2006/main" xmlns:r="http://schemas.openxmlformats.org/officeDocument/2006/relationships" xmlns:p="http://schemas.openxmlformats.org/presentationml/2006/main">
   <p:cSld>
     <p:spTree>
@@ -8055,7 +8149,7 @@
                   <a:schemeClr val="accent6"/>
                 </a:solidFill>
               </a:rPr>
-              <a:t>SWICH</a:t>
+              <a:t>SWITCH</a:t>
             </a:r>
             <a:endParaRPr lang="bg-BG" dirty="0">
               <a:solidFill>
